--- a/presentation.pptx
+++ b/presentation.pptx
@@ -11,6 +11,7 @@
     <p:sldId id="259" r:id="rId5"/>
     <p:sldId id="260" r:id="rId6"/>
     <p:sldId id="261" r:id="rId7"/>
+    <p:sldId id="275" r:id="rId8"/>
   </p:sldIdLst>
   <p:sldSz cx="12192000" cy="6858000"/>
   <p:notesSz cx="6858000" cy="9144000"/>
@@ -288,7 +289,7 @@
           <a:p>
             <a:fld id="{5E5189D0-A1EF-4821-8D79-A03E6458AE63}" type="datetimeFigureOut">
               <a:rPr lang="ru-RU" smtClean="0"/>
-              <a:t>27.05.2025</a:t>
+              <a:t>28.05.2025</a:t>
             </a:fld>
             <a:endParaRPr lang="ru-RU"/>
           </a:p>
@@ -600,7 +601,7 @@
           <a:p>
             <a:fld id="{5E5189D0-A1EF-4821-8D79-A03E6458AE63}" type="datetimeFigureOut">
               <a:rPr lang="ru-RU" smtClean="0"/>
-              <a:t>27.05.2025</a:t>
+              <a:t>28.05.2025</a:t>
             </a:fld>
             <a:endParaRPr lang="ru-RU"/>
           </a:p>
@@ -822,7 +823,7 @@
           <a:p>
             <a:fld id="{5E5189D0-A1EF-4821-8D79-A03E6458AE63}" type="datetimeFigureOut">
               <a:rPr lang="ru-RU" smtClean="0"/>
-              <a:t>27.05.2025</a:t>
+              <a:t>28.05.2025</a:t>
             </a:fld>
             <a:endParaRPr lang="ru-RU"/>
           </a:p>
@@ -1113,7 +1114,7 @@
           <a:p>
             <a:fld id="{5E5189D0-A1EF-4821-8D79-A03E6458AE63}" type="datetimeFigureOut">
               <a:rPr lang="ru-RU" smtClean="0"/>
-              <a:t>27.05.2025</a:t>
+              <a:t>28.05.2025</a:t>
             </a:fld>
             <a:endParaRPr lang="ru-RU"/>
           </a:p>
@@ -1567,7 +1568,7 @@
           <a:p>
             <a:fld id="{5E5189D0-A1EF-4821-8D79-A03E6458AE63}" type="datetimeFigureOut">
               <a:rPr lang="ru-RU" smtClean="0"/>
-              <a:t>27.05.2025</a:t>
+              <a:t>28.05.2025</a:t>
             </a:fld>
             <a:endParaRPr lang="ru-RU"/>
           </a:p>
@@ -2143,7 +2144,7 @@
           <a:p>
             <a:fld id="{5E5189D0-A1EF-4821-8D79-A03E6458AE63}" type="datetimeFigureOut">
               <a:rPr lang="ru-RU" smtClean="0"/>
-              <a:t>27.05.2025</a:t>
+              <a:t>28.05.2025</a:t>
             </a:fld>
             <a:endParaRPr lang="ru-RU"/>
           </a:p>
@@ -2995,7 +2996,7 @@
           <a:p>
             <a:fld id="{5E5189D0-A1EF-4821-8D79-A03E6458AE63}" type="datetimeFigureOut">
               <a:rPr lang="ru-RU" smtClean="0"/>
-              <a:t>27.05.2025</a:t>
+              <a:t>28.05.2025</a:t>
             </a:fld>
             <a:endParaRPr lang="ru-RU"/>
           </a:p>
@@ -3200,7 +3201,7 @@
           <a:p>
             <a:fld id="{5E5189D0-A1EF-4821-8D79-A03E6458AE63}" type="datetimeFigureOut">
               <a:rPr lang="ru-RU" smtClean="0"/>
-              <a:t>27.05.2025</a:t>
+              <a:t>28.05.2025</a:t>
             </a:fld>
             <a:endParaRPr lang="ru-RU"/>
           </a:p>
@@ -3414,7 +3415,7 @@
           <a:p>
             <a:fld id="{5E5189D0-A1EF-4821-8D79-A03E6458AE63}" type="datetimeFigureOut">
               <a:rPr lang="ru-RU" smtClean="0"/>
-              <a:t>27.05.2025</a:t>
+              <a:t>28.05.2025</a:t>
             </a:fld>
             <a:endParaRPr lang="ru-RU"/>
           </a:p>
@@ -3600,7 +3601,7 @@
           <a:p>
             <a:fld id="{5E5189D0-A1EF-4821-8D79-A03E6458AE63}" type="datetimeFigureOut">
               <a:rPr lang="ru-RU" smtClean="0"/>
-              <a:t>27.05.2025</a:t>
+              <a:t>28.05.2025</a:t>
             </a:fld>
             <a:endParaRPr lang="ru-RU"/>
           </a:p>
@@ -3817,7 +3818,7 @@
           <a:p>
             <a:fld id="{5E5189D0-A1EF-4821-8D79-A03E6458AE63}" type="datetimeFigureOut">
               <a:rPr lang="ru-RU" smtClean="0"/>
-              <a:t>27.05.2025</a:t>
+              <a:t>28.05.2025</a:t>
             </a:fld>
             <a:endParaRPr lang="ru-RU"/>
           </a:p>
@@ -4097,7 +4098,7 @@
           <a:p>
             <a:fld id="{5E5189D0-A1EF-4821-8D79-A03E6458AE63}" type="datetimeFigureOut">
               <a:rPr lang="ru-RU" smtClean="0"/>
-              <a:t>27.05.2025</a:t>
+              <a:t>28.05.2025</a:t>
             </a:fld>
             <a:endParaRPr lang="ru-RU"/>
           </a:p>
@@ -4364,7 +4365,7 @@
           <a:p>
             <a:fld id="{5E5189D0-A1EF-4821-8D79-A03E6458AE63}" type="datetimeFigureOut">
               <a:rPr lang="ru-RU" smtClean="0"/>
-              <a:t>27.05.2025</a:t>
+              <a:t>28.05.2025</a:t>
             </a:fld>
             <a:endParaRPr lang="ru-RU"/>
           </a:p>
@@ -4779,7 +4780,7 @@
           <a:p>
             <a:fld id="{5E5189D0-A1EF-4821-8D79-A03E6458AE63}" type="datetimeFigureOut">
               <a:rPr lang="ru-RU" smtClean="0"/>
-              <a:t>27.05.2025</a:t>
+              <a:t>28.05.2025</a:t>
             </a:fld>
             <a:endParaRPr lang="ru-RU"/>
           </a:p>
@@ -4927,7 +4928,7 @@
           <a:p>
             <a:fld id="{5E5189D0-A1EF-4821-8D79-A03E6458AE63}" type="datetimeFigureOut">
               <a:rPr lang="ru-RU" smtClean="0"/>
-              <a:t>27.05.2025</a:t>
+              <a:t>28.05.2025</a:t>
             </a:fld>
             <a:endParaRPr lang="ru-RU"/>
           </a:p>
@@ -5052,7 +5053,7 @@
           <a:p>
             <a:fld id="{5E5189D0-A1EF-4821-8D79-A03E6458AE63}" type="datetimeFigureOut">
               <a:rPr lang="ru-RU" smtClean="0"/>
-              <a:t>27.05.2025</a:t>
+              <a:t>28.05.2025</a:t>
             </a:fld>
             <a:endParaRPr lang="ru-RU"/>
           </a:p>
@@ -5331,7 +5332,7 @@
           <a:p>
             <a:fld id="{5E5189D0-A1EF-4821-8D79-A03E6458AE63}" type="datetimeFigureOut">
               <a:rPr lang="ru-RU" smtClean="0"/>
-              <a:t>27.05.2025</a:t>
+              <a:t>28.05.2025</a:t>
             </a:fld>
             <a:endParaRPr lang="ru-RU"/>
           </a:p>
@@ -5643,7 +5644,7 @@
           <a:p>
             <a:fld id="{5E5189D0-A1EF-4821-8D79-A03E6458AE63}" type="datetimeFigureOut">
               <a:rPr lang="ru-RU" smtClean="0"/>
-              <a:t>27.05.2025</a:t>
+              <a:t>28.05.2025</a:t>
             </a:fld>
             <a:endParaRPr lang="ru-RU"/>
           </a:p>
@@ -5896,7 +5897,7 @@
           <a:p>
             <a:fld id="{5E5189D0-A1EF-4821-8D79-A03E6458AE63}" type="datetimeFigureOut">
               <a:rPr lang="ru-RU" smtClean="0"/>
-              <a:t>27.05.2025</a:t>
+              <a:t>28.05.2025</a:t>
             </a:fld>
             <a:endParaRPr lang="ru-RU"/>
           </a:p>
@@ -6357,7 +6358,12 @@
             <p:ph type="ctrTitle"/>
           </p:nvPr>
         </p:nvSpPr>
-        <p:spPr/>
+        <p:spPr>
+          <a:xfrm>
+            <a:off x="1751012" y="1300786"/>
+            <a:ext cx="8689976" cy="1955176"/>
+          </a:xfrm>
+        </p:spPr>
         <p:txBody>
           <a:bodyPr>
             <a:normAutofit/>
@@ -6416,6 +6422,9 @@
             <a:pPr algn="l"/>
             <a:r>
               <a:rPr lang="ru-RU" dirty="0">
+                <a:solidFill>
+                  <a:schemeClr val="tx1"/>
+                </a:solidFill>
                 <a:latin typeface="Times New Roman" panose="02020603050405020304" pitchFamily="18" charset="0"/>
                 <a:cs typeface="Times New Roman" panose="02020603050405020304" pitchFamily="18" charset="0"/>
               </a:rPr>
@@ -6423,6 +6432,9 @@
             </a:r>
             <a:r>
               <a:rPr lang="en-US" dirty="0">
+                <a:solidFill>
+                  <a:schemeClr val="tx1"/>
+                </a:solidFill>
                 <a:latin typeface="Times New Roman" panose="02020603050405020304" pitchFamily="18" charset="0"/>
                 <a:cs typeface="Times New Roman" panose="02020603050405020304" pitchFamily="18" charset="0"/>
               </a:rPr>
@@ -6433,6 +6445,9 @@
             <a:pPr algn="l"/>
             <a:r>
               <a:rPr lang="ru-RU" dirty="0">
+                <a:solidFill>
+                  <a:schemeClr val="tx1"/>
+                </a:solidFill>
                 <a:latin typeface="Times New Roman" panose="02020603050405020304" pitchFamily="18" charset="0"/>
                 <a:cs typeface="Times New Roman" panose="02020603050405020304" pitchFamily="18" charset="0"/>
               </a:rPr>
@@ -6443,6 +6458,9 @@
             <a:pPr algn="l"/>
             <a:r>
               <a:rPr lang="ru-RU" dirty="0">
+                <a:solidFill>
+                  <a:schemeClr val="tx1"/>
+                </a:solidFill>
                 <a:latin typeface="Times New Roman" panose="02020603050405020304" pitchFamily="18" charset="0"/>
                 <a:cs typeface="Times New Roman" panose="02020603050405020304" pitchFamily="18" charset="0"/>
               </a:rPr>
@@ -6453,6 +6471,9 @@
             <a:pPr algn="l"/>
             <a:r>
               <a:rPr lang="ru-RU" dirty="0">
+                <a:solidFill>
+                  <a:schemeClr val="tx1"/>
+                </a:solidFill>
                 <a:latin typeface="Times New Roman" panose="02020603050405020304" pitchFamily="18" charset="0"/>
                 <a:cs typeface="Times New Roman" panose="02020603050405020304" pitchFamily="18" charset="0"/>
               </a:rPr>
@@ -6463,6 +6484,9 @@
             <a:pPr algn="l"/>
             <a:r>
               <a:rPr lang="ru-RU" dirty="0">
+                <a:solidFill>
+                  <a:schemeClr val="tx1"/>
+                </a:solidFill>
                 <a:latin typeface="Times New Roman" panose="02020603050405020304" pitchFamily="18" charset="0"/>
                 <a:cs typeface="Times New Roman" panose="02020603050405020304" pitchFamily="18" charset="0"/>
               </a:rPr>
@@ -6470,6 +6494,9 @@
             </a:r>
             <a:r>
               <a:rPr lang="en-US" dirty="0">
+                <a:solidFill>
+                  <a:schemeClr val="tx1"/>
+                </a:solidFill>
                 <a:latin typeface="Times New Roman" panose="02020603050405020304" pitchFamily="18" charset="0"/>
                 <a:cs typeface="Times New Roman" panose="02020603050405020304" pitchFamily="18" charset="0"/>
               </a:rPr>
@@ -6477,6 +6504,9 @@
             </a:r>
             <a:r>
               <a:rPr lang="ru-RU" dirty="0">
+                <a:solidFill>
+                  <a:schemeClr val="tx1"/>
+                </a:solidFill>
                 <a:latin typeface="Times New Roman" panose="02020603050405020304" pitchFamily="18" charset="0"/>
                 <a:cs typeface="Times New Roman" panose="02020603050405020304" pitchFamily="18" charset="0"/>
               </a:rPr>
@@ -6728,7 +6758,7 @@
                 <a:latin typeface="Times New Roman" panose="02020603050405020304" pitchFamily="18" charset="0"/>
                 <a:cs typeface="Times New Roman" panose="02020603050405020304" pitchFamily="18" charset="0"/>
               </a:rPr>
-              <a:t>Описание файловой системы</a:t>
+              <a:t>Структура проекта</a:t>
             </a:r>
           </a:p>
         </p:txBody>
@@ -7703,7 +7733,7 @@
         </p:nvSpPr>
         <p:spPr>
           <a:xfrm>
-            <a:off x="391886" y="0"/>
+            <a:off x="391886" y="-10048"/>
             <a:ext cx="11465169" cy="1085222"/>
           </a:xfrm>
         </p:spPr>
@@ -7719,20 +7749,20 @@
               </a:lnSpc>
             </a:pPr>
             <a:r>
-              <a:rPr lang="ru-RU" sz="4000" dirty="0">
+              <a:rPr lang="ru-RU" sz="4000" b="1" dirty="0">
                 <a:latin typeface="Times New Roman" panose="02020603050405020304" pitchFamily="18" charset="0"/>
                 <a:cs typeface="Times New Roman" panose="02020603050405020304" pitchFamily="18" charset="0"/>
               </a:rPr>
               <a:t>Доступные команды </a:t>
             </a:r>
             <a:r>
-              <a:rPr lang="en-US" sz="4000" dirty="0">
+              <a:rPr lang="en-US" sz="4000" b="1" dirty="0">
                 <a:latin typeface="Times New Roman" panose="02020603050405020304" pitchFamily="18" charset="0"/>
                 <a:cs typeface="Times New Roman" panose="02020603050405020304" pitchFamily="18" charset="0"/>
               </a:rPr>
               <a:t>CLI</a:t>
             </a:r>
-            <a:endParaRPr lang="ru-RU" sz="4000" dirty="0">
+            <a:endParaRPr lang="ru-RU" sz="4000" b="1" dirty="0">
               <a:latin typeface="Times New Roman" panose="02020603050405020304" pitchFamily="18" charset="0"/>
               <a:cs typeface="Times New Roman" panose="02020603050405020304" pitchFamily="18" charset="0"/>
             </a:endParaRPr>
@@ -7755,13 +7785,13 @@
             <p:ph idx="1"/>
             <p:extLst>
               <p:ext uri="{D42A27DB-BD31-4B8C-83A1-F6EECF244321}">
-                <p14:modId xmlns:p14="http://schemas.microsoft.com/office/powerpoint/2010/main" val="3587787997"/>
+                <p14:modId xmlns:p14="http://schemas.microsoft.com/office/powerpoint/2010/main" val="2692586907"/>
               </p:ext>
             </p:extLst>
           </p:nvPr>
         </p:nvGraphicFramePr>
         <p:xfrm>
-          <a:off x="391886" y="1085222"/>
+          <a:off x="391886" y="1075174"/>
           <a:ext cx="11465168" cy="5536643"/>
         </p:xfrm>
         <a:graphic>
@@ -8947,7 +8977,7 @@
               </a:lnSpc>
             </a:pPr>
             <a:r>
-              <a:rPr lang="ru-RU" sz="4000" dirty="0">
+              <a:rPr lang="ru-RU" sz="4000" b="1" dirty="0">
                 <a:latin typeface="Times New Roman" panose="02020603050405020304" pitchFamily="18" charset="0"/>
                 <a:cs typeface="Times New Roman" panose="02020603050405020304" pitchFamily="18" charset="0"/>
               </a:rPr>
@@ -8989,7 +9019,7 @@
               <a:buNone/>
             </a:pPr>
             <a:r>
-              <a:rPr lang="en-US" sz="1600" dirty="0">
+              <a:rPr lang="en-US" sz="1600" b="1" dirty="0">
                 <a:latin typeface="Times New Roman" panose="02020603050405020304" pitchFamily="18" charset="0"/>
                 <a:cs typeface="Times New Roman" panose="02020603050405020304" pitchFamily="18" charset="0"/>
               </a:rPr>
@@ -9002,7 +9032,7 @@
               <a:buNone/>
             </a:pPr>
             <a:r>
-              <a:rPr lang="en-US" sz="1600" dirty="0">
+              <a:rPr lang="en-US" sz="1600" b="1" dirty="0">
                 <a:latin typeface="Times New Roman" panose="02020603050405020304" pitchFamily="18" charset="0"/>
                 <a:cs typeface="Times New Roman" panose="02020603050405020304" pitchFamily="18" charset="0"/>
               </a:rPr>
@@ -9015,7 +9045,7 @@
               <a:buNone/>
             </a:pPr>
             <a:r>
-              <a:rPr lang="en-US" sz="1600" dirty="0">
+              <a:rPr lang="en-US" sz="1600" b="1" dirty="0">
                 <a:latin typeface="Times New Roman" panose="02020603050405020304" pitchFamily="18" charset="0"/>
                 <a:cs typeface="Times New Roman" panose="02020603050405020304" pitchFamily="18" charset="0"/>
               </a:rPr>
@@ -9028,20 +9058,20 @@
               <a:buNone/>
             </a:pPr>
             <a:r>
-              <a:rPr lang="en-US" sz="1600" dirty="0">
+              <a:rPr lang="en-US" sz="1600" b="1" dirty="0">
                 <a:latin typeface="Times New Roman" panose="02020603050405020304" pitchFamily="18" charset="0"/>
                 <a:cs typeface="Times New Roman" panose="02020603050405020304" pitchFamily="18" charset="0"/>
               </a:rPr>
               <a:t>  - /</a:t>
             </a:r>
             <a:r>
-              <a:rPr lang="en-US" sz="1600" dirty="0" err="1">
+              <a:rPr lang="en-US" sz="1600" b="1" dirty="0" err="1">
                 <a:latin typeface="Times New Roman" panose="02020603050405020304" pitchFamily="18" charset="0"/>
                 <a:cs typeface="Times New Roman" panose="02020603050405020304" pitchFamily="18" charset="0"/>
               </a:rPr>
               <a:t>abc</a:t>
             </a:r>
-            <a:endParaRPr lang="en-US" sz="1600" dirty="0">
+            <a:endParaRPr lang="en-US" sz="1600" b="1" dirty="0">
               <a:latin typeface="Times New Roman" panose="02020603050405020304" pitchFamily="18" charset="0"/>
               <a:cs typeface="Times New Roman" panose="02020603050405020304" pitchFamily="18" charset="0"/>
             </a:endParaRPr>
@@ -9052,7 +9082,7 @@
               <a:buNone/>
             </a:pPr>
             <a:r>
-              <a:rPr lang="en-US" sz="1600" dirty="0">
+              <a:rPr lang="en-US" sz="1600" b="1" dirty="0">
                 <a:latin typeface="Times New Roman" panose="02020603050405020304" pitchFamily="18" charset="0"/>
                 <a:cs typeface="Times New Roman" panose="02020603050405020304" pitchFamily="18" charset="0"/>
               </a:rPr>
@@ -9065,20 +9095,20 @@
               <a:buNone/>
             </a:pPr>
             <a:r>
-              <a:rPr lang="en-US" sz="1600" dirty="0">
+              <a:rPr lang="en-US" sz="1600" b="1" dirty="0">
                 <a:latin typeface="Times New Roman" panose="02020603050405020304" pitchFamily="18" charset="0"/>
                 <a:cs typeface="Times New Roman" panose="02020603050405020304" pitchFamily="18" charset="0"/>
               </a:rPr>
               <a:t>&gt; open /</a:t>
             </a:r>
             <a:r>
-              <a:rPr lang="en-US" sz="1600" dirty="0" err="1">
+              <a:rPr lang="en-US" sz="1600" b="1" dirty="0" err="1">
                 <a:latin typeface="Times New Roman" panose="02020603050405020304" pitchFamily="18" charset="0"/>
                 <a:cs typeface="Times New Roman" panose="02020603050405020304" pitchFamily="18" charset="0"/>
               </a:rPr>
               <a:t>abc</a:t>
             </a:r>
-            <a:endParaRPr lang="en-US" sz="1600" dirty="0">
+            <a:endParaRPr lang="en-US" sz="1600" b="1" dirty="0">
               <a:latin typeface="Times New Roman" panose="02020603050405020304" pitchFamily="18" charset="0"/>
               <a:cs typeface="Times New Roman" panose="02020603050405020304" pitchFamily="18" charset="0"/>
             </a:endParaRPr>
@@ -9089,13 +9119,13 @@
               <a:buNone/>
             </a:pPr>
             <a:r>
-              <a:rPr lang="en-US" sz="1600" dirty="0" err="1">
+              <a:rPr lang="en-US" sz="1600" b="1" dirty="0" err="1">
                 <a:latin typeface="Times New Roman" panose="02020603050405020304" pitchFamily="18" charset="0"/>
                 <a:cs typeface="Times New Roman" panose="02020603050405020304" pitchFamily="18" charset="0"/>
               </a:rPr>
               <a:t>abc</a:t>
             </a:r>
-            <a:endParaRPr lang="en-US" sz="1600" dirty="0">
+            <a:endParaRPr lang="en-US" sz="1600" b="1" dirty="0">
               <a:latin typeface="Times New Roman" panose="02020603050405020304" pitchFamily="18" charset="0"/>
               <a:cs typeface="Times New Roman" panose="02020603050405020304" pitchFamily="18" charset="0"/>
             </a:endParaRPr>
@@ -9106,7 +9136,7 @@
               <a:buNone/>
             </a:pPr>
             <a:r>
-              <a:rPr lang="en-US" sz="1600" dirty="0">
+              <a:rPr lang="en-US" sz="1600" b="1" dirty="0">
                 <a:latin typeface="Times New Roman" panose="02020603050405020304" pitchFamily="18" charset="0"/>
                 <a:cs typeface="Times New Roman" panose="02020603050405020304" pitchFamily="18" charset="0"/>
               </a:rPr>
@@ -9119,7 +9149,7 @@
               <a:buNone/>
             </a:pPr>
             <a:r>
-              <a:rPr lang="en-US" sz="1600" dirty="0">
+              <a:rPr lang="en-US" sz="1600" b="1" dirty="0">
                 <a:latin typeface="Times New Roman" panose="02020603050405020304" pitchFamily="18" charset="0"/>
                 <a:cs typeface="Times New Roman" panose="02020603050405020304" pitchFamily="18" charset="0"/>
               </a:rPr>
@@ -9132,13 +9162,13 @@
               <a:buNone/>
             </a:pPr>
             <a:r>
-              <a:rPr lang="en-US" sz="1600" dirty="0">
+              <a:rPr lang="en-US" sz="1600" b="1" dirty="0">
                 <a:latin typeface="Times New Roman" panose="02020603050405020304" pitchFamily="18" charset="0"/>
                 <a:cs typeface="Times New Roman" panose="02020603050405020304" pitchFamily="18" charset="0"/>
               </a:rPr>
               <a:t>OK</a:t>
             </a:r>
-            <a:endParaRPr lang="en-US" sz="2000" dirty="0">
+            <a:endParaRPr lang="en-US" sz="2000" b="1" dirty="0">
               <a:latin typeface="Times New Roman" panose="02020603050405020304" pitchFamily="18" charset="0"/>
               <a:cs typeface="Times New Roman" panose="02020603050405020304" pitchFamily="18" charset="0"/>
             </a:endParaRPr>
@@ -9147,7 +9177,7 @@
             <a:pPr marL="0" indent="0">
               <a:buNone/>
             </a:pPr>
-            <a:endParaRPr lang="ru-RU" sz="2000" dirty="0">
+            <a:endParaRPr lang="ru-RU" sz="2000" b="1" dirty="0">
               <a:latin typeface="Times New Roman" panose="02020603050405020304" pitchFamily="18" charset="0"/>
               <a:cs typeface="Times New Roman" panose="02020603050405020304" pitchFamily="18" charset="0"/>
             </a:endParaRPr>
@@ -9387,7 +9417,7 @@
               <a:buNone/>
             </a:pPr>
             <a:r>
-              <a:rPr lang="en-US" sz="1600" dirty="0">
+              <a:rPr lang="en-US" sz="1600" b="1" dirty="0">
                 <a:latin typeface="Times New Roman" panose="02020603050405020304" pitchFamily="18" charset="0"/>
                 <a:cs typeface="Times New Roman" panose="02020603050405020304" pitchFamily="18" charset="0"/>
               </a:rPr>
@@ -9400,7 +9430,7 @@
               <a:buNone/>
             </a:pPr>
             <a:r>
-              <a:rPr lang="en-US" sz="1600" dirty="0">
+              <a:rPr lang="en-US" sz="1600" b="1" dirty="0">
                 <a:latin typeface="Times New Roman" panose="02020603050405020304" pitchFamily="18" charset="0"/>
                 <a:cs typeface="Times New Roman" panose="02020603050405020304" pitchFamily="18" charset="0"/>
               </a:rPr>
@@ -9413,7 +9443,7 @@
               <a:buNone/>
             </a:pPr>
             <a:r>
-              <a:rPr lang="en-US" sz="1600" dirty="0">
+              <a:rPr lang="en-US" sz="1600" b="1" dirty="0">
                 <a:latin typeface="Times New Roman" panose="02020603050405020304" pitchFamily="18" charset="0"/>
                 <a:cs typeface="Times New Roman" panose="02020603050405020304" pitchFamily="18" charset="0"/>
               </a:rPr>
@@ -9426,7 +9456,7 @@
               <a:buNone/>
             </a:pPr>
             <a:r>
-              <a:rPr lang="en-US" sz="1600" dirty="0">
+              <a:rPr lang="en-US" sz="1600" b="1" dirty="0">
                 <a:latin typeface="Times New Roman" panose="02020603050405020304" pitchFamily="18" charset="0"/>
                 <a:cs typeface="Times New Roman" panose="02020603050405020304" pitchFamily="18" charset="0"/>
               </a:rPr>
@@ -9439,7 +9469,7 @@
               <a:buNone/>
             </a:pPr>
             <a:r>
-              <a:rPr lang="en-US" sz="1600" dirty="0">
+              <a:rPr lang="en-US" sz="1600" b="1" dirty="0">
                 <a:latin typeface="Times New Roman" panose="02020603050405020304" pitchFamily="18" charset="0"/>
                 <a:cs typeface="Times New Roman" panose="02020603050405020304" pitchFamily="18" charset="0"/>
               </a:rPr>
@@ -9452,7 +9482,7 @@
               <a:buNone/>
             </a:pPr>
             <a:r>
-              <a:rPr lang="en-US" sz="1600" dirty="0">
+              <a:rPr lang="en-US" sz="1600" b="1" dirty="0">
                 <a:latin typeface="Times New Roman" panose="02020603050405020304" pitchFamily="18" charset="0"/>
                 <a:cs typeface="Times New Roman" panose="02020603050405020304" pitchFamily="18" charset="0"/>
               </a:rPr>
@@ -9465,7 +9495,7 @@
               <a:buNone/>
             </a:pPr>
             <a:r>
-              <a:rPr lang="en-US" sz="1600" dirty="0">
+              <a:rPr lang="en-US" sz="1600" b="1" dirty="0">
                 <a:latin typeface="Times New Roman" panose="02020603050405020304" pitchFamily="18" charset="0"/>
                 <a:cs typeface="Times New Roman" panose="02020603050405020304" pitchFamily="18" charset="0"/>
               </a:rPr>
@@ -9478,7 +9508,7 @@
               <a:buNone/>
             </a:pPr>
             <a:r>
-              <a:rPr lang="en-US" sz="1600" dirty="0">
+              <a:rPr lang="en-US" sz="1600" b="1" dirty="0">
                 <a:latin typeface="Times New Roman" panose="02020603050405020304" pitchFamily="18" charset="0"/>
                 <a:cs typeface="Times New Roman" panose="02020603050405020304" pitchFamily="18" charset="0"/>
               </a:rPr>
@@ -9491,7 +9521,7 @@
               <a:buNone/>
             </a:pPr>
             <a:r>
-              <a:rPr lang="en-US" sz="1600" dirty="0">
+              <a:rPr lang="en-US" sz="1600" b="1" dirty="0">
                 <a:latin typeface="Times New Roman" panose="02020603050405020304" pitchFamily="18" charset="0"/>
                 <a:cs typeface="Times New Roman" panose="02020603050405020304" pitchFamily="18" charset="0"/>
               </a:rPr>
@@ -9504,7 +9534,7 @@
               <a:buNone/>
             </a:pPr>
             <a:r>
-              <a:rPr lang="en-US" sz="1600" dirty="0">
+              <a:rPr lang="en-US" sz="1600" b="1" dirty="0">
                 <a:latin typeface="Times New Roman" panose="02020603050405020304" pitchFamily="18" charset="0"/>
                 <a:cs typeface="Times New Roman" panose="02020603050405020304" pitchFamily="18" charset="0"/>
               </a:rPr>
@@ -9517,7 +9547,7 @@
               <a:buNone/>
             </a:pPr>
             <a:r>
-              <a:rPr lang="en-US" sz="1600" dirty="0">
+              <a:rPr lang="en-US" sz="1600" b="1" dirty="0">
                 <a:latin typeface="Times New Roman" panose="02020603050405020304" pitchFamily="18" charset="0"/>
                 <a:cs typeface="Times New Roman" panose="02020603050405020304" pitchFamily="18" charset="0"/>
               </a:rPr>
@@ -9530,491 +9560,13 @@
               <a:buNone/>
             </a:pPr>
             <a:r>
-              <a:rPr lang="en-US" sz="1600" dirty="0">
+              <a:rPr lang="en-US" sz="1600" b="1" dirty="0">
                 <a:latin typeface="Times New Roman" panose="02020603050405020304" pitchFamily="18" charset="0"/>
                 <a:cs typeface="Times New Roman" panose="02020603050405020304" pitchFamily="18" charset="0"/>
               </a:rPr>
               <a:t>  EXIT</a:t>
             </a:r>
-            <a:endParaRPr lang="en-US" sz="1400" dirty="0">
-              <a:latin typeface="Times New Roman" panose="02020603050405020304" pitchFamily="18" charset="0"/>
-              <a:cs typeface="Times New Roman" panose="02020603050405020304" pitchFamily="18" charset="0"/>
-            </a:endParaRPr>
-          </a:p>
-        </p:txBody>
-      </p:sp>
-      <p:sp>
-        <p:nvSpPr>
-          <p:cNvPr id="5" name="Объект 2">
-            <a:extLst>
-              <a:ext uri="{FF2B5EF4-FFF2-40B4-BE49-F238E27FC236}">
-                <a16:creationId xmlns:a16="http://schemas.microsoft.com/office/drawing/2014/main" id="{5C35BF4A-E4E3-E115-D7F0-52662B2F21A0}"/>
-              </a:ext>
-            </a:extLst>
-          </p:cNvPr>
-          <p:cNvSpPr txBox="1">
-            <a:spLocks/>
-          </p:cNvSpPr>
-          <p:nvPr/>
-        </p:nvSpPr>
-        <p:spPr>
-          <a:xfrm>
-            <a:off x="5320914" y="2536437"/>
-            <a:ext cx="2222984" cy="4213740"/>
-          </a:xfrm>
-          <a:prstGeom prst="rect">
-            <a:avLst/>
-          </a:prstGeom>
-        </p:spPr>
-        <p:txBody>
-          <a:bodyPr vert="horz" lIns="91440" tIns="45720" rIns="91440" bIns="45720" rtlCol="0">
-            <a:normAutofit/>
-          </a:bodyPr>
-          <a:lstStyle>
-            <a:lvl1pPr marL="228600" indent="-228600" algn="l" defTabSz="914400" rtl="0" eaLnBrk="1" latinLnBrk="0" hangingPunct="1">
-              <a:lnSpc>
-                <a:spcPct val="120000"/>
-              </a:lnSpc>
-              <a:spcBef>
-                <a:spcPts val="1000"/>
-              </a:spcBef>
-              <a:buClr>
-                <a:schemeClr val="tx1"/>
-              </a:buClr>
-              <a:buFont typeface="Arial" panose="020B0604020202020204" pitchFamily="34" charset="0"/>
-              <a:buChar char="•"/>
-              <a:defRPr sz="2000" kern="1200" cap="all" baseline="0">
-                <a:solidFill>
-                  <a:schemeClr val="tx1"/>
-                </a:solidFill>
-                <a:effectLst/>
-                <a:latin typeface="+mn-lt"/>
-                <a:ea typeface="+mn-ea"/>
-                <a:cs typeface="+mn-cs"/>
-              </a:defRPr>
-            </a:lvl1pPr>
-            <a:lvl2pPr marL="685800" indent="-228600" algn="l" defTabSz="914400" rtl="0" eaLnBrk="1" latinLnBrk="0" hangingPunct="1">
-              <a:lnSpc>
-                <a:spcPct val="120000"/>
-              </a:lnSpc>
-              <a:spcBef>
-                <a:spcPts val="500"/>
-              </a:spcBef>
-              <a:buClr>
-                <a:schemeClr val="tx1"/>
-              </a:buClr>
-              <a:buFont typeface="Arial" panose="020B0604020202020204" pitchFamily="34" charset="0"/>
-              <a:buChar char="•"/>
-              <a:defRPr sz="1800" kern="1200" cap="all" baseline="0">
-                <a:solidFill>
-                  <a:schemeClr val="tx1"/>
-                </a:solidFill>
-                <a:effectLst/>
-                <a:latin typeface="+mn-lt"/>
-                <a:ea typeface="+mn-ea"/>
-                <a:cs typeface="+mn-cs"/>
-              </a:defRPr>
-            </a:lvl2pPr>
-            <a:lvl3pPr marL="1143000" indent="-228600" algn="l" defTabSz="914400" rtl="0" eaLnBrk="1" latinLnBrk="0" hangingPunct="1">
-              <a:lnSpc>
-                <a:spcPct val="120000"/>
-              </a:lnSpc>
-              <a:spcBef>
-                <a:spcPts val="500"/>
-              </a:spcBef>
-              <a:buClr>
-                <a:schemeClr val="tx1"/>
-              </a:buClr>
-              <a:buFont typeface="Arial" panose="020B0604020202020204" pitchFamily="34" charset="0"/>
-              <a:buChar char="•"/>
-              <a:defRPr sz="1600" kern="1200" cap="all" baseline="0">
-                <a:solidFill>
-                  <a:schemeClr val="tx1"/>
-                </a:solidFill>
-                <a:effectLst/>
-                <a:latin typeface="+mn-lt"/>
-                <a:ea typeface="+mn-ea"/>
-                <a:cs typeface="+mn-cs"/>
-              </a:defRPr>
-            </a:lvl3pPr>
-            <a:lvl4pPr marL="1600200" indent="-228600" algn="l" defTabSz="914400" rtl="0" eaLnBrk="1" latinLnBrk="0" hangingPunct="1">
-              <a:lnSpc>
-                <a:spcPct val="120000"/>
-              </a:lnSpc>
-              <a:spcBef>
-                <a:spcPts val="500"/>
-              </a:spcBef>
-              <a:buClr>
-                <a:schemeClr val="tx1"/>
-              </a:buClr>
-              <a:buFont typeface="Arial" panose="020B0604020202020204" pitchFamily="34" charset="0"/>
-              <a:buChar char="•"/>
-              <a:defRPr sz="1400" kern="1200" cap="all" baseline="0">
-                <a:solidFill>
-                  <a:schemeClr val="tx1"/>
-                </a:solidFill>
-                <a:effectLst/>
-                <a:latin typeface="+mn-lt"/>
-                <a:ea typeface="+mn-ea"/>
-                <a:cs typeface="+mn-cs"/>
-              </a:defRPr>
-            </a:lvl4pPr>
-            <a:lvl5pPr marL="2057400" indent="-228600" algn="l" defTabSz="914400" rtl="0" eaLnBrk="1" latinLnBrk="0" hangingPunct="1">
-              <a:lnSpc>
-                <a:spcPct val="120000"/>
-              </a:lnSpc>
-              <a:spcBef>
-                <a:spcPts val="500"/>
-              </a:spcBef>
-              <a:buClr>
-                <a:schemeClr val="tx1"/>
-              </a:buClr>
-              <a:buFont typeface="Arial" panose="020B0604020202020204" pitchFamily="34" charset="0"/>
-              <a:buChar char="•"/>
-              <a:defRPr sz="1400" kern="1200" cap="all" baseline="0">
-                <a:solidFill>
-                  <a:schemeClr val="tx1"/>
-                </a:solidFill>
-                <a:effectLst/>
-                <a:latin typeface="+mn-lt"/>
-                <a:ea typeface="+mn-ea"/>
-                <a:cs typeface="+mn-cs"/>
-              </a:defRPr>
-            </a:lvl5pPr>
-            <a:lvl6pPr marL="2514600" indent="-228600" algn="l" defTabSz="914400" rtl="0" eaLnBrk="1" latinLnBrk="0" hangingPunct="1">
-              <a:lnSpc>
-                <a:spcPct val="120000"/>
-              </a:lnSpc>
-              <a:spcBef>
-                <a:spcPts val="500"/>
-              </a:spcBef>
-              <a:buClr>
-                <a:schemeClr val="tx1"/>
-              </a:buClr>
-              <a:buFont typeface="Arial" panose="020B0604020202020204" pitchFamily="34" charset="0"/>
-              <a:buChar char="•"/>
-              <a:defRPr sz="1400" kern="1200" cap="all" baseline="0">
-                <a:solidFill>
-                  <a:schemeClr val="tx1"/>
-                </a:solidFill>
-                <a:effectLst/>
-                <a:latin typeface="+mn-lt"/>
-                <a:ea typeface="+mn-ea"/>
-                <a:cs typeface="+mn-cs"/>
-              </a:defRPr>
-            </a:lvl6pPr>
-            <a:lvl7pPr marL="2971800" indent="-228600" algn="l" defTabSz="914400" rtl="0" eaLnBrk="1" latinLnBrk="0" hangingPunct="1">
-              <a:lnSpc>
-                <a:spcPct val="120000"/>
-              </a:lnSpc>
-              <a:spcBef>
-                <a:spcPts val="500"/>
-              </a:spcBef>
-              <a:buClr>
-                <a:schemeClr val="tx1"/>
-              </a:buClr>
-              <a:buFont typeface="Arial" panose="020B0604020202020204" pitchFamily="34" charset="0"/>
-              <a:buChar char="•"/>
-              <a:defRPr sz="1400" kern="1200" cap="all" baseline="0">
-                <a:solidFill>
-                  <a:schemeClr val="tx1"/>
-                </a:solidFill>
-                <a:effectLst/>
-                <a:latin typeface="+mn-lt"/>
-                <a:ea typeface="+mn-ea"/>
-                <a:cs typeface="+mn-cs"/>
-              </a:defRPr>
-            </a:lvl7pPr>
-            <a:lvl8pPr marL="3429000" indent="-228600" algn="l" defTabSz="914400" rtl="0" eaLnBrk="1" latinLnBrk="0" hangingPunct="1">
-              <a:lnSpc>
-                <a:spcPct val="120000"/>
-              </a:lnSpc>
-              <a:spcBef>
-                <a:spcPts val="500"/>
-              </a:spcBef>
-              <a:buClr>
-                <a:schemeClr val="tx1"/>
-              </a:buClr>
-              <a:buFont typeface="Arial" panose="020B0604020202020204" pitchFamily="34" charset="0"/>
-              <a:buChar char="•"/>
-              <a:defRPr sz="1400" kern="1200" cap="all" baseline="0">
-                <a:solidFill>
-                  <a:schemeClr val="tx1"/>
-                </a:solidFill>
-                <a:effectLst/>
-                <a:latin typeface="+mn-lt"/>
-                <a:ea typeface="+mn-ea"/>
-                <a:cs typeface="+mn-cs"/>
-              </a:defRPr>
-            </a:lvl8pPr>
-            <a:lvl9pPr marL="3886200" indent="-228600" algn="l" defTabSz="914400" rtl="0" eaLnBrk="1" latinLnBrk="0" hangingPunct="1">
-              <a:lnSpc>
-                <a:spcPct val="120000"/>
-              </a:lnSpc>
-              <a:spcBef>
-                <a:spcPts val="500"/>
-              </a:spcBef>
-              <a:buClr>
-                <a:schemeClr val="tx1"/>
-              </a:buClr>
-              <a:buFont typeface="Arial" panose="020B0604020202020204" pitchFamily="34" charset="0"/>
-              <a:buChar char="•"/>
-              <a:defRPr sz="1400" kern="1200" cap="all" baseline="0">
-                <a:solidFill>
-                  <a:schemeClr val="tx1"/>
-                </a:solidFill>
-                <a:effectLst/>
-                <a:latin typeface="+mn-lt"/>
-                <a:ea typeface="+mn-ea"/>
-                <a:cs typeface="+mn-cs"/>
-              </a:defRPr>
-            </a:lvl9pPr>
-          </a:lstStyle>
-          <a:p>
-            <a:pPr marL="0" indent="0">
-              <a:buFont typeface="Arial" panose="020B0604020202020204" pitchFamily="34" charset="0"/>
-              <a:buNone/>
-            </a:pPr>
-            <a:endParaRPr lang="ru-RU" dirty="0">
-              <a:latin typeface="Times New Roman" panose="02020603050405020304" pitchFamily="18" charset="0"/>
-              <a:cs typeface="Times New Roman" panose="02020603050405020304" pitchFamily="18" charset="0"/>
-            </a:endParaRPr>
-          </a:p>
-        </p:txBody>
-      </p:sp>
-      <p:sp>
-        <p:nvSpPr>
-          <p:cNvPr id="7" name="Объект 2">
-            <a:extLst>
-              <a:ext uri="{FF2B5EF4-FFF2-40B4-BE49-F238E27FC236}">
-                <a16:creationId xmlns:a16="http://schemas.microsoft.com/office/drawing/2014/main" id="{057A1770-DA82-3E33-EE7E-50FA4A4CF00F}"/>
-              </a:ext>
-            </a:extLst>
-          </p:cNvPr>
-          <p:cNvSpPr txBox="1">
-            <a:spLocks/>
-          </p:cNvSpPr>
-          <p:nvPr/>
-        </p:nvSpPr>
-        <p:spPr>
-          <a:xfrm>
-            <a:off x="5916065" y="2536437"/>
-            <a:ext cx="2222984" cy="4213740"/>
-          </a:xfrm>
-          <a:prstGeom prst="rect">
-            <a:avLst/>
-          </a:prstGeom>
-        </p:spPr>
-        <p:txBody>
-          <a:bodyPr vert="horz" lIns="91440" tIns="45720" rIns="91440" bIns="45720" rtlCol="0">
-            <a:normAutofit/>
-          </a:bodyPr>
-          <a:lstStyle>
-            <a:lvl1pPr marL="228600" indent="-228600" algn="l" defTabSz="914400" rtl="0" eaLnBrk="1" latinLnBrk="0" hangingPunct="1">
-              <a:lnSpc>
-                <a:spcPct val="120000"/>
-              </a:lnSpc>
-              <a:spcBef>
-                <a:spcPts val="1000"/>
-              </a:spcBef>
-              <a:buClr>
-                <a:schemeClr val="tx1"/>
-              </a:buClr>
-              <a:buFont typeface="Arial" panose="020B0604020202020204" pitchFamily="34" charset="0"/>
-              <a:buChar char="•"/>
-              <a:defRPr sz="2000" kern="1200" cap="all" baseline="0">
-                <a:solidFill>
-                  <a:schemeClr val="tx1"/>
-                </a:solidFill>
-                <a:effectLst/>
-                <a:latin typeface="+mn-lt"/>
-                <a:ea typeface="+mn-ea"/>
-                <a:cs typeface="+mn-cs"/>
-              </a:defRPr>
-            </a:lvl1pPr>
-            <a:lvl2pPr marL="685800" indent="-228600" algn="l" defTabSz="914400" rtl="0" eaLnBrk="1" latinLnBrk="0" hangingPunct="1">
-              <a:lnSpc>
-                <a:spcPct val="120000"/>
-              </a:lnSpc>
-              <a:spcBef>
-                <a:spcPts val="500"/>
-              </a:spcBef>
-              <a:buClr>
-                <a:schemeClr val="tx1"/>
-              </a:buClr>
-              <a:buFont typeface="Arial" panose="020B0604020202020204" pitchFamily="34" charset="0"/>
-              <a:buChar char="•"/>
-              <a:defRPr sz="1800" kern="1200" cap="all" baseline="0">
-                <a:solidFill>
-                  <a:schemeClr val="tx1"/>
-                </a:solidFill>
-                <a:effectLst/>
-                <a:latin typeface="+mn-lt"/>
-                <a:ea typeface="+mn-ea"/>
-                <a:cs typeface="+mn-cs"/>
-              </a:defRPr>
-            </a:lvl2pPr>
-            <a:lvl3pPr marL="1143000" indent="-228600" algn="l" defTabSz="914400" rtl="0" eaLnBrk="1" latinLnBrk="0" hangingPunct="1">
-              <a:lnSpc>
-                <a:spcPct val="120000"/>
-              </a:lnSpc>
-              <a:spcBef>
-                <a:spcPts val="500"/>
-              </a:spcBef>
-              <a:buClr>
-                <a:schemeClr val="tx1"/>
-              </a:buClr>
-              <a:buFont typeface="Arial" panose="020B0604020202020204" pitchFamily="34" charset="0"/>
-              <a:buChar char="•"/>
-              <a:defRPr sz="1600" kern="1200" cap="all" baseline="0">
-                <a:solidFill>
-                  <a:schemeClr val="tx1"/>
-                </a:solidFill>
-                <a:effectLst/>
-                <a:latin typeface="+mn-lt"/>
-                <a:ea typeface="+mn-ea"/>
-                <a:cs typeface="+mn-cs"/>
-              </a:defRPr>
-            </a:lvl3pPr>
-            <a:lvl4pPr marL="1600200" indent="-228600" algn="l" defTabSz="914400" rtl="0" eaLnBrk="1" latinLnBrk="0" hangingPunct="1">
-              <a:lnSpc>
-                <a:spcPct val="120000"/>
-              </a:lnSpc>
-              <a:spcBef>
-                <a:spcPts val="500"/>
-              </a:spcBef>
-              <a:buClr>
-                <a:schemeClr val="tx1"/>
-              </a:buClr>
-              <a:buFont typeface="Arial" panose="020B0604020202020204" pitchFamily="34" charset="0"/>
-              <a:buChar char="•"/>
-              <a:defRPr sz="1400" kern="1200" cap="all" baseline="0">
-                <a:solidFill>
-                  <a:schemeClr val="tx1"/>
-                </a:solidFill>
-                <a:effectLst/>
-                <a:latin typeface="+mn-lt"/>
-                <a:ea typeface="+mn-ea"/>
-                <a:cs typeface="+mn-cs"/>
-              </a:defRPr>
-            </a:lvl4pPr>
-            <a:lvl5pPr marL="2057400" indent="-228600" algn="l" defTabSz="914400" rtl="0" eaLnBrk="1" latinLnBrk="0" hangingPunct="1">
-              <a:lnSpc>
-                <a:spcPct val="120000"/>
-              </a:lnSpc>
-              <a:spcBef>
-                <a:spcPts val="500"/>
-              </a:spcBef>
-              <a:buClr>
-                <a:schemeClr val="tx1"/>
-              </a:buClr>
-              <a:buFont typeface="Arial" panose="020B0604020202020204" pitchFamily="34" charset="0"/>
-              <a:buChar char="•"/>
-              <a:defRPr sz="1400" kern="1200" cap="all" baseline="0">
-                <a:solidFill>
-                  <a:schemeClr val="tx1"/>
-                </a:solidFill>
-                <a:effectLst/>
-                <a:latin typeface="+mn-lt"/>
-                <a:ea typeface="+mn-ea"/>
-                <a:cs typeface="+mn-cs"/>
-              </a:defRPr>
-            </a:lvl5pPr>
-            <a:lvl6pPr marL="2514600" indent="-228600" algn="l" defTabSz="914400" rtl="0" eaLnBrk="1" latinLnBrk="0" hangingPunct="1">
-              <a:lnSpc>
-                <a:spcPct val="120000"/>
-              </a:lnSpc>
-              <a:spcBef>
-                <a:spcPts val="500"/>
-              </a:spcBef>
-              <a:buClr>
-                <a:schemeClr val="tx1"/>
-              </a:buClr>
-              <a:buFont typeface="Arial" panose="020B0604020202020204" pitchFamily="34" charset="0"/>
-              <a:buChar char="•"/>
-              <a:defRPr sz="1400" kern="1200" cap="all" baseline="0">
-                <a:solidFill>
-                  <a:schemeClr val="tx1"/>
-                </a:solidFill>
-                <a:effectLst/>
-                <a:latin typeface="+mn-lt"/>
-                <a:ea typeface="+mn-ea"/>
-                <a:cs typeface="+mn-cs"/>
-              </a:defRPr>
-            </a:lvl6pPr>
-            <a:lvl7pPr marL="2971800" indent="-228600" algn="l" defTabSz="914400" rtl="0" eaLnBrk="1" latinLnBrk="0" hangingPunct="1">
-              <a:lnSpc>
-                <a:spcPct val="120000"/>
-              </a:lnSpc>
-              <a:spcBef>
-                <a:spcPts val="500"/>
-              </a:spcBef>
-              <a:buClr>
-                <a:schemeClr val="tx1"/>
-              </a:buClr>
-              <a:buFont typeface="Arial" panose="020B0604020202020204" pitchFamily="34" charset="0"/>
-              <a:buChar char="•"/>
-              <a:defRPr sz="1400" kern="1200" cap="all" baseline="0">
-                <a:solidFill>
-                  <a:schemeClr val="tx1"/>
-                </a:solidFill>
-                <a:effectLst/>
-                <a:latin typeface="+mn-lt"/>
-                <a:ea typeface="+mn-ea"/>
-                <a:cs typeface="+mn-cs"/>
-              </a:defRPr>
-            </a:lvl7pPr>
-            <a:lvl8pPr marL="3429000" indent="-228600" algn="l" defTabSz="914400" rtl="0" eaLnBrk="1" latinLnBrk="0" hangingPunct="1">
-              <a:lnSpc>
-                <a:spcPct val="120000"/>
-              </a:lnSpc>
-              <a:spcBef>
-                <a:spcPts val="500"/>
-              </a:spcBef>
-              <a:buClr>
-                <a:schemeClr val="tx1"/>
-              </a:buClr>
-              <a:buFont typeface="Arial" panose="020B0604020202020204" pitchFamily="34" charset="0"/>
-              <a:buChar char="•"/>
-              <a:defRPr sz="1400" kern="1200" cap="all" baseline="0">
-                <a:solidFill>
-                  <a:schemeClr val="tx1"/>
-                </a:solidFill>
-                <a:effectLst/>
-                <a:latin typeface="+mn-lt"/>
-                <a:ea typeface="+mn-ea"/>
-                <a:cs typeface="+mn-cs"/>
-              </a:defRPr>
-            </a:lvl8pPr>
-            <a:lvl9pPr marL="3886200" indent="-228600" algn="l" defTabSz="914400" rtl="0" eaLnBrk="1" latinLnBrk="0" hangingPunct="1">
-              <a:lnSpc>
-                <a:spcPct val="120000"/>
-              </a:lnSpc>
-              <a:spcBef>
-                <a:spcPts val="500"/>
-              </a:spcBef>
-              <a:buClr>
-                <a:schemeClr val="tx1"/>
-              </a:buClr>
-              <a:buFont typeface="Arial" panose="020B0604020202020204" pitchFamily="34" charset="0"/>
-              <a:buChar char="•"/>
-              <a:defRPr sz="1400" kern="1200" cap="all" baseline="0">
-                <a:solidFill>
-                  <a:schemeClr val="tx1"/>
-                </a:solidFill>
-                <a:effectLst/>
-                <a:latin typeface="+mn-lt"/>
-                <a:ea typeface="+mn-ea"/>
-                <a:cs typeface="+mn-cs"/>
-              </a:defRPr>
-            </a:lvl9pPr>
-          </a:lstStyle>
-          <a:p>
-            <a:pPr marL="0" indent="0">
-              <a:buFont typeface="Arial" panose="020B0604020202020204" pitchFamily="34" charset="0"/>
-              <a:buNone/>
-            </a:pPr>
-            <a:endParaRPr lang="ru-RU" dirty="0">
+            <a:endParaRPr lang="en-US" sz="1400" b="1" dirty="0">
               <a:latin typeface="Times New Roman" panose="02020603050405020304" pitchFamily="18" charset="0"/>
               <a:cs typeface="Times New Roman" panose="02020603050405020304" pitchFamily="18" charset="0"/>
             </a:endParaRPr>
@@ -10254,7 +9806,7 @@
               <a:buNone/>
             </a:pPr>
             <a:r>
-              <a:rPr lang="en-US" sz="1600" dirty="0">
+              <a:rPr lang="en-US" sz="1600" b="1" dirty="0">
                 <a:latin typeface="Times New Roman" panose="02020603050405020304" pitchFamily="18" charset="0"/>
                 <a:cs typeface="Times New Roman" panose="02020603050405020304" pitchFamily="18" charset="0"/>
               </a:rPr>
@@ -10267,21 +9819,21 @@
               <a:buNone/>
             </a:pPr>
             <a:r>
-              <a:rPr lang="en-US" sz="1600" dirty="0">
+              <a:rPr lang="en-US" sz="1600" b="1" dirty="0">
                 <a:latin typeface="Times New Roman" panose="02020603050405020304" pitchFamily="18" charset="0"/>
                 <a:cs typeface="Times New Roman" panose="02020603050405020304" pitchFamily="18" charset="0"/>
               </a:rPr>
               <a:t>&gt; remove /</a:t>
             </a:r>
             <a:r>
-              <a:rPr lang="en-US" sz="1600" dirty="0" err="1">
+              <a:rPr lang="en-US" sz="1600" b="1" dirty="0" err="1">
                 <a:latin typeface="Times New Roman" panose="02020603050405020304" pitchFamily="18" charset="0"/>
                 <a:cs typeface="Times New Roman" panose="02020603050405020304" pitchFamily="18" charset="0"/>
               </a:rPr>
               <a:t>abc</a:t>
             </a:r>
             <a:r>
-              <a:rPr lang="en-US" sz="1600" dirty="0">
+              <a:rPr lang="en-US" sz="1600" b="1" dirty="0">
                 <a:latin typeface="Times New Roman" panose="02020603050405020304" pitchFamily="18" charset="0"/>
                 <a:cs typeface="Times New Roman" panose="02020603050405020304" pitchFamily="18" charset="0"/>
               </a:rPr>
@@ -10294,7 +9846,7 @@
               <a:buNone/>
             </a:pPr>
             <a:r>
-              <a:rPr lang="en-US" sz="1600" dirty="0">
+              <a:rPr lang="en-US" sz="1600" b="1" dirty="0">
                 <a:latin typeface="Times New Roman" panose="02020603050405020304" pitchFamily="18" charset="0"/>
                 <a:cs typeface="Times New Roman" panose="02020603050405020304" pitchFamily="18" charset="0"/>
               </a:rPr>
@@ -10307,7 +9859,7 @@
               <a:buNone/>
             </a:pPr>
             <a:r>
-              <a:rPr lang="en-US" sz="1600" dirty="0">
+              <a:rPr lang="en-US" sz="1600" b="1" dirty="0">
                 <a:latin typeface="Times New Roman" panose="02020603050405020304" pitchFamily="18" charset="0"/>
                 <a:cs typeface="Times New Roman" panose="02020603050405020304" pitchFamily="18" charset="0"/>
               </a:rPr>
@@ -10320,7 +9872,7 @@
               <a:buNone/>
             </a:pPr>
             <a:r>
-              <a:rPr lang="en-US" sz="1600" dirty="0">
+              <a:rPr lang="en-US" sz="1600" b="1" dirty="0">
                 <a:latin typeface="Times New Roman" panose="02020603050405020304" pitchFamily="18" charset="0"/>
                 <a:cs typeface="Times New Roman" panose="02020603050405020304" pitchFamily="18" charset="0"/>
               </a:rPr>
@@ -10333,7 +9885,7 @@
               <a:buNone/>
             </a:pPr>
             <a:r>
-              <a:rPr lang="en-US" sz="1600" dirty="0">
+              <a:rPr lang="en-US" sz="1600" b="1" dirty="0">
                 <a:latin typeface="Times New Roman" panose="02020603050405020304" pitchFamily="18" charset="0"/>
                 <a:cs typeface="Times New Roman" panose="02020603050405020304" pitchFamily="18" charset="0"/>
               </a:rPr>
@@ -10346,7 +9898,7 @@
               <a:buNone/>
             </a:pPr>
             <a:r>
-              <a:rPr lang="en-US" sz="1600" dirty="0">
+              <a:rPr lang="en-US" sz="1600" b="1" dirty="0">
                 <a:latin typeface="Times New Roman" panose="02020603050405020304" pitchFamily="18" charset="0"/>
                 <a:cs typeface="Times New Roman" panose="02020603050405020304" pitchFamily="18" charset="0"/>
               </a:rPr>
@@ -10359,7 +9911,7 @@
               <a:buNone/>
             </a:pPr>
             <a:r>
-              <a:rPr lang="en-US" sz="1600" dirty="0">
+              <a:rPr lang="en-US" sz="1600" b="1" dirty="0">
                 <a:latin typeface="Times New Roman" panose="02020603050405020304" pitchFamily="18" charset="0"/>
                 <a:cs typeface="Times New Roman" panose="02020603050405020304" pitchFamily="18" charset="0"/>
               </a:rPr>
@@ -10372,7 +9924,7 @@
               <a:buNone/>
             </a:pPr>
             <a:r>
-              <a:rPr lang="en-US" sz="1600" dirty="0">
+              <a:rPr lang="en-US" sz="1600" b="1" dirty="0">
                 <a:latin typeface="Times New Roman" panose="02020603050405020304" pitchFamily="18" charset="0"/>
                 <a:cs typeface="Times New Roman" panose="02020603050405020304" pitchFamily="18" charset="0"/>
               </a:rPr>
@@ -10385,7 +9937,7 @@
               <a:buNone/>
             </a:pPr>
             <a:r>
-              <a:rPr lang="en-US" sz="1600" dirty="0">
+              <a:rPr lang="en-US" sz="1600" b="1" dirty="0">
                 <a:latin typeface="Times New Roman" panose="02020603050405020304" pitchFamily="18" charset="0"/>
                 <a:cs typeface="Times New Roman" panose="02020603050405020304" pitchFamily="18" charset="0"/>
               </a:rPr>
@@ -10398,7 +9950,7 @@
               <a:buNone/>
             </a:pPr>
             <a:r>
-              <a:rPr lang="en-US" sz="1600" dirty="0">
+              <a:rPr lang="en-US" sz="1600" b="1" dirty="0">
                 <a:latin typeface="Times New Roman" panose="02020603050405020304" pitchFamily="18" charset="0"/>
                 <a:cs typeface="Times New Roman" panose="02020603050405020304" pitchFamily="18" charset="0"/>
               </a:rPr>
@@ -10411,7 +9963,7 @@
               <a:buNone/>
             </a:pPr>
             <a:r>
-              <a:rPr lang="en-US" sz="1600" dirty="0">
+              <a:rPr lang="en-US" sz="1600" b="1" dirty="0">
                 <a:latin typeface="Times New Roman" panose="02020603050405020304" pitchFamily="18" charset="0"/>
                 <a:cs typeface="Times New Roman" panose="02020603050405020304" pitchFamily="18" charset="0"/>
               </a:rPr>
@@ -10424,13 +9976,13 @@
               <a:buNone/>
             </a:pPr>
             <a:r>
-              <a:rPr lang="en-US" sz="1600" dirty="0">
+              <a:rPr lang="en-US" sz="1600" b="1" dirty="0">
                 <a:latin typeface="Times New Roman" panose="02020603050405020304" pitchFamily="18" charset="0"/>
                 <a:cs typeface="Times New Roman" panose="02020603050405020304" pitchFamily="18" charset="0"/>
               </a:rPr>
               <a:t>Bye!</a:t>
             </a:r>
-            <a:endParaRPr lang="ru-RU" sz="1600" dirty="0">
+            <a:endParaRPr lang="ru-RU" sz="1600" b="1" dirty="0">
               <a:latin typeface="Times New Roman" panose="02020603050405020304" pitchFamily="18" charset="0"/>
               <a:cs typeface="Times New Roman" panose="02020603050405020304" pitchFamily="18" charset="0"/>
             </a:endParaRPr>
@@ -10670,7 +10222,7 @@
               <a:buNone/>
             </a:pPr>
             <a:r>
-              <a:rPr lang="en-US" dirty="0">
+              <a:rPr lang="en-US" b="1" dirty="0">
                 <a:latin typeface="Times New Roman" panose="02020603050405020304" pitchFamily="18" charset="0"/>
                 <a:cs typeface="Times New Roman" panose="02020603050405020304" pitchFamily="18" charset="0"/>
               </a:rPr>
@@ -10683,7 +10235,7 @@
               <a:buNone/>
             </a:pPr>
             <a:r>
-              <a:rPr lang="en-US" dirty="0">
+              <a:rPr lang="en-US" b="1" dirty="0">
                 <a:latin typeface="Times New Roman" panose="02020603050405020304" pitchFamily="18" charset="0"/>
                 <a:cs typeface="Times New Roman" panose="02020603050405020304" pitchFamily="18" charset="0"/>
               </a:rPr>
@@ -10696,7 +10248,7 @@
               <a:buNone/>
             </a:pPr>
             <a:r>
-              <a:rPr lang="en-US" dirty="0">
+              <a:rPr lang="en-US" b="1" dirty="0">
                 <a:latin typeface="Times New Roman" panose="02020603050405020304" pitchFamily="18" charset="0"/>
                 <a:cs typeface="Times New Roman" panose="02020603050405020304" pitchFamily="18" charset="0"/>
               </a:rPr>
@@ -10709,7 +10261,7 @@
               <a:buNone/>
             </a:pPr>
             <a:r>
-              <a:rPr lang="en-US" dirty="0">
+              <a:rPr lang="en-US" b="1" dirty="0">
                 <a:latin typeface="Times New Roman" panose="02020603050405020304" pitchFamily="18" charset="0"/>
                 <a:cs typeface="Times New Roman" panose="02020603050405020304" pitchFamily="18" charset="0"/>
               </a:rPr>
@@ -10722,7 +10274,7 @@
               <a:buNone/>
             </a:pPr>
             <a:r>
-              <a:rPr lang="en-US" dirty="0">
+              <a:rPr lang="en-US" b="1" dirty="0">
                 <a:latin typeface="Times New Roman" panose="02020603050405020304" pitchFamily="18" charset="0"/>
                 <a:cs typeface="Times New Roman" panose="02020603050405020304" pitchFamily="18" charset="0"/>
               </a:rPr>
@@ -10735,7 +10287,7 @@
               <a:buNone/>
             </a:pPr>
             <a:r>
-              <a:rPr lang="en-US" dirty="0">
+              <a:rPr lang="en-US" b="1" dirty="0">
                 <a:latin typeface="Times New Roman" panose="02020603050405020304" pitchFamily="18" charset="0"/>
                 <a:cs typeface="Times New Roman" panose="02020603050405020304" pitchFamily="18" charset="0"/>
               </a:rPr>
@@ -10748,7 +10300,7 @@
               <a:buNone/>
             </a:pPr>
             <a:r>
-              <a:rPr lang="en-US" dirty="0">
+              <a:rPr lang="en-US" b="1" dirty="0">
                 <a:latin typeface="Times New Roman" panose="02020603050405020304" pitchFamily="18" charset="0"/>
                 <a:cs typeface="Times New Roman" panose="02020603050405020304" pitchFamily="18" charset="0"/>
               </a:rPr>
@@ -10761,7 +10313,7 @@
               <a:buNone/>
             </a:pPr>
             <a:r>
-              <a:rPr lang="en-US" dirty="0">
+              <a:rPr lang="en-US" b="1" dirty="0">
                 <a:latin typeface="Times New Roman" panose="02020603050405020304" pitchFamily="18" charset="0"/>
                 <a:cs typeface="Times New Roman" panose="02020603050405020304" pitchFamily="18" charset="0"/>
               </a:rPr>
@@ -10774,7 +10326,7 @@
               <a:buNone/>
             </a:pPr>
             <a:r>
-              <a:rPr lang="en-US" dirty="0">
+              <a:rPr lang="en-US" b="1" dirty="0">
                 <a:latin typeface="Times New Roman" panose="02020603050405020304" pitchFamily="18" charset="0"/>
                 <a:cs typeface="Times New Roman" panose="02020603050405020304" pitchFamily="18" charset="0"/>
               </a:rPr>
@@ -10787,20 +10339,20 @@
               <a:buNone/>
             </a:pPr>
             <a:r>
-              <a:rPr lang="en-US" dirty="0">
+              <a:rPr lang="en-US" b="1" dirty="0">
                 <a:latin typeface="Times New Roman" panose="02020603050405020304" pitchFamily="18" charset="0"/>
                 <a:cs typeface="Times New Roman" panose="02020603050405020304" pitchFamily="18" charset="0"/>
               </a:rPr>
               <a:t>  - /</a:t>
             </a:r>
             <a:r>
-              <a:rPr lang="en-US" dirty="0" err="1">
+              <a:rPr lang="en-US" b="1" dirty="0" err="1">
                 <a:latin typeface="Times New Roman" panose="02020603050405020304" pitchFamily="18" charset="0"/>
                 <a:cs typeface="Times New Roman" panose="02020603050405020304" pitchFamily="18" charset="0"/>
               </a:rPr>
               <a:t>abc</a:t>
             </a:r>
-            <a:endParaRPr lang="en-US" dirty="0">
+            <a:endParaRPr lang="en-US" b="1" dirty="0">
               <a:latin typeface="Times New Roman" panose="02020603050405020304" pitchFamily="18" charset="0"/>
               <a:cs typeface="Times New Roman" panose="02020603050405020304" pitchFamily="18" charset="0"/>
             </a:endParaRPr>
@@ -10811,7 +10363,7 @@
               <a:buNone/>
             </a:pPr>
             <a:r>
-              <a:rPr lang="en-US" dirty="0">
+              <a:rPr lang="en-US" b="1" dirty="0">
                 <a:latin typeface="Times New Roman" panose="02020603050405020304" pitchFamily="18" charset="0"/>
                 <a:cs typeface="Times New Roman" panose="02020603050405020304" pitchFamily="18" charset="0"/>
               </a:rPr>
@@ -10933,6 +10485,565 @@
   <p:clrMapOvr>
     <a:masterClrMapping/>
   </p:clrMapOvr>
+</p:sld>
+</file>
+
+<file path=ppt/slides/slide7.xml><?xml version="1.0" encoding="utf-8"?>
+<p:sld xmlns:a="http://schemas.openxmlformats.org/drawingml/2006/main" xmlns:r="http://schemas.openxmlformats.org/officeDocument/2006/relationships" xmlns:p="http://schemas.openxmlformats.org/presentationml/2006/main">
+  <p:cSld>
+    <p:spTree>
+      <p:nvGrpSpPr>
+        <p:cNvPr id="1" name=""/>
+        <p:cNvGrpSpPr/>
+        <p:nvPr/>
+      </p:nvGrpSpPr>
+      <p:grpSpPr>
+        <a:xfrm>
+          <a:off x="0" y="0"/>
+          <a:ext cx="0" cy="0"/>
+          <a:chOff x="0" y="0"/>
+          <a:chExt cx="0" cy="0"/>
+        </a:xfrm>
+      </p:grpSpPr>
+      <p:sp>
+        <p:nvSpPr>
+          <p:cNvPr id="2" name="Прямоугольник 1">
+            <a:extLst>
+              <a:ext uri="{FF2B5EF4-FFF2-40B4-BE49-F238E27FC236}">
+                <a16:creationId xmlns:a16="http://schemas.microsoft.com/office/drawing/2014/main" id="{BBD45529-48CF-408E-BEB0-3F9BF0DE7B80}"/>
+              </a:ext>
+            </a:extLst>
+          </p:cNvPr>
+          <p:cNvSpPr/>
+          <p:nvPr/>
+        </p:nvSpPr>
+        <p:spPr>
+          <a:xfrm>
+            <a:off x="0" y="0"/>
+            <a:ext cx="12191999" cy="4323425"/>
+          </a:xfrm>
+          <a:prstGeom prst="rect">
+            <a:avLst/>
+          </a:prstGeom>
+          <a:solidFill>
+            <a:schemeClr val="tx1"/>
+          </a:solidFill>
+          <a:ln>
+            <a:noFill/>
+          </a:ln>
+        </p:spPr>
+        <p:style>
+          <a:lnRef idx="2">
+            <a:schemeClr val="accent1">
+              <a:shade val="50000"/>
+            </a:schemeClr>
+          </a:lnRef>
+          <a:fillRef idx="1">
+            <a:schemeClr val="accent1"/>
+          </a:fillRef>
+          <a:effectRef idx="0">
+            <a:schemeClr val="accent1"/>
+          </a:effectRef>
+          <a:fontRef idx="minor">
+            <a:schemeClr val="lt1"/>
+          </a:fontRef>
+        </p:style>
+        <p:txBody>
+          <a:bodyPr rtlCol="0" anchor="ctr"/>
+          <a:lstStyle/>
+          <a:p>
+            <a:pPr algn="ctr"/>
+            <a:endParaRPr lang="ru-RU"/>
+          </a:p>
+        </p:txBody>
+      </p:sp>
+      <p:sp>
+        <p:nvSpPr>
+          <p:cNvPr id="4" name="Заголовок 1">
+            <a:extLst>
+              <a:ext uri="{FF2B5EF4-FFF2-40B4-BE49-F238E27FC236}">
+                <a16:creationId xmlns:a16="http://schemas.microsoft.com/office/drawing/2014/main" id="{E619052A-BEF3-4BF2-A955-76911C0B07CD}"/>
+              </a:ext>
+            </a:extLst>
+          </p:cNvPr>
+          <p:cNvSpPr>
+            <a:spLocks noGrp="1"/>
+          </p:cNvSpPr>
+          <p:nvPr>
+            <p:ph type="title"/>
+          </p:nvPr>
+        </p:nvSpPr>
+        <p:spPr>
+          <a:xfrm>
+            <a:off x="158532" y="4421080"/>
+            <a:ext cx="10151706" cy="1491447"/>
+          </a:xfrm>
+        </p:spPr>
+        <p:txBody>
+          <a:bodyPr>
+            <a:normAutofit fontScale="90000"/>
+          </a:bodyPr>
+          <a:lstStyle/>
+          <a:p>
+            <a:pPr algn="l"/>
+            <a:r>
+              <a:rPr lang="ru-RU" b="1" dirty="0">
+                <a:latin typeface="Calibri" panose="020F0502020204030204" pitchFamily="34" charset="0"/>
+                <a:cs typeface="Calibri" panose="020F0502020204030204" pitchFamily="34" charset="0"/>
+              </a:rPr>
+              <a:t>Презентация закончилась</a:t>
+            </a:r>
+            <a:br>
+              <a:rPr lang="ru-RU" b="1" dirty="0">
+                <a:latin typeface="Calibri" panose="020F0502020204030204" pitchFamily="34" charset="0"/>
+                <a:cs typeface="Calibri" panose="020F0502020204030204" pitchFamily="34" charset="0"/>
+              </a:rPr>
+            </a:br>
+            <a:br>
+              <a:rPr lang="ru-RU" b="1" dirty="0">
+                <a:latin typeface="Calibri" panose="020F0502020204030204" pitchFamily="34" charset="0"/>
+                <a:cs typeface="Calibri" panose="020F0502020204030204" pitchFamily="34" charset="0"/>
+              </a:rPr>
+            </a:br>
+            <a:r>
+              <a:rPr lang="ru-RU" cap="none" dirty="0">
+                <a:latin typeface="Calibri" panose="020F0502020204030204" pitchFamily="34" charset="0"/>
+                <a:cs typeface="Calibri" panose="020F0502020204030204" pitchFamily="34" charset="0"/>
+              </a:rPr>
+              <a:t>Спасибо за внимание</a:t>
+            </a:r>
+            <a:endParaRPr lang="en-US" dirty="0">
+              <a:latin typeface="Calibri" panose="020F0502020204030204" pitchFamily="34" charset="0"/>
+              <a:cs typeface="Calibri" panose="020F0502020204030204" pitchFamily="34" charset="0"/>
+            </a:endParaRPr>
+          </a:p>
+        </p:txBody>
+      </p:sp>
+      <p:pic>
+        <p:nvPicPr>
+          <p:cNvPr id="5" name="Рисунок 4">
+            <a:extLst>
+              <a:ext uri="{FF2B5EF4-FFF2-40B4-BE49-F238E27FC236}">
+                <a16:creationId xmlns:a16="http://schemas.microsoft.com/office/drawing/2014/main" id="{63429B8A-2230-4913-9FBE-75004B94AB4C}"/>
+              </a:ext>
+            </a:extLst>
+          </p:cNvPr>
+          <p:cNvPicPr>
+            <a:picLocks noChangeAspect="1"/>
+          </p:cNvPicPr>
+          <p:nvPr/>
+        </p:nvPicPr>
+        <p:blipFill rotWithShape="1">
+          <a:blip r:embed="rId2">
+            <a:extLst>
+              <a:ext uri="{BEBA8EAE-BF5A-486C-A8C5-ECC9F3942E4B}">
+                <a14:imgProps xmlns:a14="http://schemas.microsoft.com/office/drawing/2010/main">
+                  <a14:imgLayer r:embed="rId3">
+                    <a14:imgEffect>
+                      <a14:backgroundRemoval t="1429" b="99286" l="7546" r="71168">
+                        <a14:foregroundMark x1="39555" y1="21429" x2="45036" y2="3857"/>
+                        <a14:foregroundMark x1="35822" y1="74857" x2="63225" y2="75143"/>
+                        <a14:foregroundMark x1="33439" y1="71143" x2="32486" y2="81000"/>
+                        <a14:foregroundMark x1="31851" y1="76857" x2="30580" y2="87429"/>
+                        <a14:foregroundMark x1="29865" y1="84857" x2="29071" y2="99286"/>
+                        <a14:foregroundMark x1="62986" y1="68286" x2="68546" y2="74714"/>
+                        <a14:foregroundMark x1="67276" y1="66714" x2="71247" y2="73857"/>
+                        <a14:foregroundMark x1="70770" y1="75286" x2="70850" y2="95857"/>
+                        <a14:foregroundMark x1="43765" y1="1429" x2="54170" y2="2429"/>
+                      </a14:backgroundRemoval>
+                    </a14:imgEffect>
+                  </a14:imgLayer>
+                </a14:imgProps>
+              </a:ext>
+              <a:ext uri="{28A0092B-C50C-407E-A947-70E740481C1C}">
+                <a14:useLocalDpi xmlns:a14="http://schemas.microsoft.com/office/drawing/2010/main" val="0"/>
+              </a:ext>
+            </a:extLst>
+          </a:blip>
+          <a:srcRect l="26025" r="28922" b="10222"/>
+          <a:stretch/>
+        </p:blipFill>
+        <p:spPr>
+          <a:xfrm>
+            <a:off x="8193386" y="0"/>
+            <a:ext cx="3902044" cy="4323189"/>
+          </a:xfrm>
+          <a:prstGeom prst="rect">
+            <a:avLst/>
+          </a:prstGeom>
+        </p:spPr>
+      </p:pic>
+      <p:sp>
+        <p:nvSpPr>
+          <p:cNvPr id="7" name="Заголовок 1">
+            <a:extLst>
+              <a:ext uri="{FF2B5EF4-FFF2-40B4-BE49-F238E27FC236}">
+                <a16:creationId xmlns:a16="http://schemas.microsoft.com/office/drawing/2014/main" id="{95AEEDC3-E56A-4B80-9338-10EEE455BD8B}"/>
+              </a:ext>
+            </a:extLst>
+          </p:cNvPr>
+          <p:cNvSpPr txBox="1">
+            <a:spLocks/>
+          </p:cNvSpPr>
+          <p:nvPr/>
+        </p:nvSpPr>
+        <p:spPr>
+          <a:xfrm>
+            <a:off x="158532" y="3041340"/>
+            <a:ext cx="5573820" cy="1281849"/>
+          </a:xfrm>
+          <a:prstGeom prst="rect">
+            <a:avLst/>
+          </a:prstGeom>
+        </p:spPr>
+        <p:txBody>
+          <a:bodyPr vert="horz" lIns="91440" tIns="45720" rIns="91440" bIns="45720" rtlCol="0" anchor="ctr">
+            <a:noAutofit/>
+          </a:bodyPr>
+          <a:lstStyle>
+            <a:lvl1pPr algn="ctr" defTabSz="914400" rtl="0" eaLnBrk="1" latinLnBrk="0" hangingPunct="1">
+              <a:lnSpc>
+                <a:spcPct val="90000"/>
+              </a:lnSpc>
+              <a:spcBef>
+                <a:spcPct val="0"/>
+              </a:spcBef>
+              <a:buNone/>
+              <a:defRPr sz="3600" kern="1200" cap="all" baseline="0">
+                <a:solidFill>
+                  <a:schemeClr val="tx1"/>
+                </a:solidFill>
+                <a:effectLst/>
+                <a:latin typeface="+mj-lt"/>
+                <a:ea typeface="+mj-ea"/>
+                <a:cs typeface="+mj-cs"/>
+              </a:defRPr>
+            </a:lvl1pPr>
+          </a:lstStyle>
+          <a:p>
+            <a:pPr algn="l"/>
+            <a:r>
+              <a:rPr lang="ru-RU" sz="8000" b="1" dirty="0">
+                <a:solidFill>
+                  <a:schemeClr val="bg1"/>
+                </a:solidFill>
+                <a:latin typeface="Calibri" panose="020F0502020204030204" pitchFamily="34" charset="0"/>
+                <a:cs typeface="Calibri" panose="020F0502020204030204" pitchFamily="34" charset="0"/>
+              </a:rPr>
+              <a:t>ОКАК</a:t>
+            </a:r>
+            <a:endParaRPr lang="en-US" sz="8000" dirty="0">
+              <a:solidFill>
+                <a:schemeClr val="bg1"/>
+              </a:solidFill>
+              <a:latin typeface="Calibri" panose="020F0502020204030204" pitchFamily="34" charset="0"/>
+              <a:cs typeface="Calibri" panose="020F0502020204030204" pitchFamily="34" charset="0"/>
+            </a:endParaRPr>
+          </a:p>
+        </p:txBody>
+      </p:sp>
+    </p:spTree>
+    <p:extLst>
+      <p:ext uri="{BB962C8B-B14F-4D97-AF65-F5344CB8AC3E}">
+        <p14:creationId xmlns:p14="http://schemas.microsoft.com/office/powerpoint/2010/main" val="2224136761"/>
+      </p:ext>
+    </p:extLst>
+  </p:cSld>
+  <p:clrMapOvr>
+    <a:masterClrMapping/>
+  </p:clrMapOvr>
+  <p:timing>
+    <p:tnLst>
+      <p:par>
+        <p:cTn id="1" dur="indefinite" restart="never" nodeType="tmRoot">
+          <p:childTnLst>
+            <p:seq concurrent="1" nextAc="seek">
+              <p:cTn id="2" dur="indefinite" nodeType="mainSeq">
+                <p:childTnLst>
+                  <p:par>
+                    <p:cTn id="3" fill="hold">
+                      <p:stCondLst>
+                        <p:cond delay="indefinite"/>
+                        <p:cond evt="onBegin" delay="0">
+                          <p:tn val="2"/>
+                        </p:cond>
+                      </p:stCondLst>
+                      <p:childTnLst>
+                        <p:par>
+                          <p:cTn id="4" fill="hold">
+                            <p:stCondLst>
+                              <p:cond delay="0"/>
+                            </p:stCondLst>
+                            <p:childTnLst>
+                              <p:par>
+                                <p:cTn id="5" presetID="2" presetClass="entr" presetSubtype="2" fill="hold" nodeType="afterEffect">
+                                  <p:stCondLst>
+                                    <p:cond delay="0"/>
+                                  </p:stCondLst>
+                                  <p:childTnLst>
+                                    <p:set>
+                                      <p:cBhvr>
+                                        <p:cTn id="6" dur="1" fill="hold">
+                                          <p:stCondLst>
+                                            <p:cond delay="0"/>
+                                          </p:stCondLst>
+                                        </p:cTn>
+                                        <p:tgtEl>
+                                          <p:spTgt spid="5"/>
+                                        </p:tgtEl>
+                                        <p:attrNameLst>
+                                          <p:attrName>style.visibility</p:attrName>
+                                        </p:attrNameLst>
+                                      </p:cBhvr>
+                                      <p:to>
+                                        <p:strVal val="visible"/>
+                                      </p:to>
+                                    </p:set>
+                                    <p:anim calcmode="lin" valueType="num">
+                                      <p:cBhvr additive="base">
+                                        <p:cTn id="7" dur="500" fill="hold"/>
+                                        <p:tgtEl>
+                                          <p:spTgt spid="5"/>
+                                        </p:tgtEl>
+                                        <p:attrNameLst>
+                                          <p:attrName>ppt_x</p:attrName>
+                                        </p:attrNameLst>
+                                      </p:cBhvr>
+                                      <p:tavLst>
+                                        <p:tav tm="0">
+                                          <p:val>
+                                            <p:strVal val="1+#ppt_w/2"/>
+                                          </p:val>
+                                        </p:tav>
+                                        <p:tav tm="100000">
+                                          <p:val>
+                                            <p:strVal val="#ppt_x"/>
+                                          </p:val>
+                                        </p:tav>
+                                      </p:tavLst>
+                                    </p:anim>
+                                    <p:anim calcmode="lin" valueType="num">
+                                      <p:cBhvr additive="base">
+                                        <p:cTn id="8" dur="500" fill="hold"/>
+                                        <p:tgtEl>
+                                          <p:spTgt spid="5"/>
+                                        </p:tgtEl>
+                                        <p:attrNameLst>
+                                          <p:attrName>ppt_y</p:attrName>
+                                        </p:attrNameLst>
+                                      </p:cBhvr>
+                                      <p:tavLst>
+                                        <p:tav tm="0">
+                                          <p:val>
+                                            <p:strVal val="#ppt_y"/>
+                                          </p:val>
+                                        </p:tav>
+                                        <p:tav tm="100000">
+                                          <p:val>
+                                            <p:strVal val="#ppt_y"/>
+                                          </p:val>
+                                        </p:tav>
+                                      </p:tavLst>
+                                    </p:anim>
+                                  </p:childTnLst>
+                                </p:cTn>
+                              </p:par>
+                            </p:childTnLst>
+                          </p:cTn>
+                        </p:par>
+                        <p:par>
+                          <p:cTn id="9" fill="hold">
+                            <p:stCondLst>
+                              <p:cond delay="500"/>
+                            </p:stCondLst>
+                            <p:childTnLst>
+                              <p:par>
+                                <p:cTn id="10" presetID="2" presetClass="entr" presetSubtype="2" fill="hold" grpId="0" nodeType="afterEffect">
+                                  <p:stCondLst>
+                                    <p:cond delay="0"/>
+                                  </p:stCondLst>
+                                  <p:childTnLst>
+                                    <p:set>
+                                      <p:cBhvr>
+                                        <p:cTn id="11" dur="1" fill="hold">
+                                          <p:stCondLst>
+                                            <p:cond delay="0"/>
+                                          </p:stCondLst>
+                                        </p:cTn>
+                                        <p:tgtEl>
+                                          <p:spTgt spid="7"/>
+                                        </p:tgtEl>
+                                        <p:attrNameLst>
+                                          <p:attrName>style.visibility</p:attrName>
+                                        </p:attrNameLst>
+                                      </p:cBhvr>
+                                      <p:to>
+                                        <p:strVal val="visible"/>
+                                      </p:to>
+                                    </p:set>
+                                    <p:anim calcmode="lin" valueType="num">
+                                      <p:cBhvr additive="base">
+                                        <p:cTn id="12" dur="500" fill="hold"/>
+                                        <p:tgtEl>
+                                          <p:spTgt spid="7"/>
+                                        </p:tgtEl>
+                                        <p:attrNameLst>
+                                          <p:attrName>ppt_x</p:attrName>
+                                        </p:attrNameLst>
+                                      </p:cBhvr>
+                                      <p:tavLst>
+                                        <p:tav tm="0">
+                                          <p:val>
+                                            <p:strVal val="1+#ppt_w/2"/>
+                                          </p:val>
+                                        </p:tav>
+                                        <p:tav tm="100000">
+                                          <p:val>
+                                            <p:strVal val="#ppt_x"/>
+                                          </p:val>
+                                        </p:tav>
+                                      </p:tavLst>
+                                    </p:anim>
+                                    <p:anim calcmode="lin" valueType="num">
+                                      <p:cBhvr additive="base">
+                                        <p:cTn id="13" dur="500" fill="hold"/>
+                                        <p:tgtEl>
+                                          <p:spTgt spid="7"/>
+                                        </p:tgtEl>
+                                        <p:attrNameLst>
+                                          <p:attrName>ppt_y</p:attrName>
+                                        </p:attrNameLst>
+                                      </p:cBhvr>
+                                      <p:tavLst>
+                                        <p:tav tm="0">
+                                          <p:val>
+                                            <p:strVal val="#ppt_y"/>
+                                          </p:val>
+                                        </p:tav>
+                                        <p:tav tm="100000">
+                                          <p:val>
+                                            <p:strVal val="#ppt_y"/>
+                                          </p:val>
+                                        </p:tav>
+                                      </p:tavLst>
+                                    </p:anim>
+                                  </p:childTnLst>
+                                </p:cTn>
+                              </p:par>
+                            </p:childTnLst>
+                          </p:cTn>
+                        </p:par>
+                        <p:par>
+                          <p:cTn id="14" fill="hold">
+                            <p:stCondLst>
+                              <p:cond delay="1000"/>
+                            </p:stCondLst>
+                            <p:childTnLst>
+                              <p:par>
+                                <p:cTn id="15" presetID="2" presetClass="entr" presetSubtype="8" fill="hold" grpId="0" nodeType="afterEffect">
+                                  <p:stCondLst>
+                                    <p:cond delay="0"/>
+                                  </p:stCondLst>
+                                  <p:childTnLst>
+                                    <p:set>
+                                      <p:cBhvr>
+                                        <p:cTn id="16" dur="1" fill="hold">
+                                          <p:stCondLst>
+                                            <p:cond delay="0"/>
+                                          </p:stCondLst>
+                                        </p:cTn>
+                                        <p:tgtEl>
+                                          <p:spTgt spid="4"/>
+                                        </p:tgtEl>
+                                        <p:attrNameLst>
+                                          <p:attrName>style.visibility</p:attrName>
+                                        </p:attrNameLst>
+                                      </p:cBhvr>
+                                      <p:to>
+                                        <p:strVal val="visible"/>
+                                      </p:to>
+                                    </p:set>
+                                    <p:anim calcmode="lin" valueType="num">
+                                      <p:cBhvr additive="base">
+                                        <p:cTn id="17" dur="500" fill="hold"/>
+                                        <p:tgtEl>
+                                          <p:spTgt spid="4"/>
+                                        </p:tgtEl>
+                                        <p:attrNameLst>
+                                          <p:attrName>ppt_x</p:attrName>
+                                        </p:attrNameLst>
+                                      </p:cBhvr>
+                                      <p:tavLst>
+                                        <p:tav tm="0">
+                                          <p:val>
+                                            <p:strVal val="0-#ppt_w/2"/>
+                                          </p:val>
+                                        </p:tav>
+                                        <p:tav tm="100000">
+                                          <p:val>
+                                            <p:strVal val="#ppt_x"/>
+                                          </p:val>
+                                        </p:tav>
+                                      </p:tavLst>
+                                    </p:anim>
+                                    <p:anim calcmode="lin" valueType="num">
+                                      <p:cBhvr additive="base">
+                                        <p:cTn id="18" dur="500" fill="hold"/>
+                                        <p:tgtEl>
+                                          <p:spTgt spid="4"/>
+                                        </p:tgtEl>
+                                        <p:attrNameLst>
+                                          <p:attrName>ppt_y</p:attrName>
+                                        </p:attrNameLst>
+                                      </p:cBhvr>
+                                      <p:tavLst>
+                                        <p:tav tm="0">
+                                          <p:val>
+                                            <p:strVal val="#ppt_y"/>
+                                          </p:val>
+                                        </p:tav>
+                                        <p:tav tm="100000">
+                                          <p:val>
+                                            <p:strVal val="#ppt_y"/>
+                                          </p:val>
+                                        </p:tav>
+                                      </p:tavLst>
+                                    </p:anim>
+                                  </p:childTnLst>
+                                </p:cTn>
+                              </p:par>
+                            </p:childTnLst>
+                          </p:cTn>
+                        </p:par>
+                      </p:childTnLst>
+                    </p:cTn>
+                  </p:par>
+                </p:childTnLst>
+              </p:cTn>
+              <p:prevCondLst>
+                <p:cond evt="onPrev" delay="0">
+                  <p:tgtEl>
+                    <p:sldTgt/>
+                  </p:tgtEl>
+                </p:cond>
+              </p:prevCondLst>
+              <p:nextCondLst>
+                <p:cond evt="onNext" delay="0">
+                  <p:tgtEl>
+                    <p:sldTgt/>
+                  </p:tgtEl>
+                </p:cond>
+              </p:nextCondLst>
+            </p:seq>
+          </p:childTnLst>
+        </p:cTn>
+      </p:par>
+    </p:tnLst>
+    <p:bldLst>
+      <p:bldP spid="4" grpId="0"/>
+      <p:bldP spid="7" grpId="0"/>
+    </p:bldLst>
+  </p:timing>
 </p:sld>
 </file>
 
